--- a/topic11/talk-02/Web App Dev 2.pptx
+++ b/topic11/talk-02/Web App Dev 2.pptx
@@ -3345,6 +3345,14 @@
 <file path=ppt/slides/slide1.xml><?xml version="1.0" encoding="utf-8"?>
 <p:sld xmlns:a="http://schemas.openxmlformats.org/drawingml/2006/main" xmlns:r="http://schemas.openxmlformats.org/officeDocument/2006/relationships" xmlns:p="http://schemas.openxmlformats.org/presentationml/2006/main">
   <p:cSld>
+    <p:bg>
+      <p:bgPr>
+        <a:solidFill>
+          <a:schemeClr val="bg1"/>
+        </a:solidFill>
+        <a:effectLst/>
+      </p:bgPr>
+    </p:bg>
     <p:spTree>
       <p:nvGrpSpPr>
         <p:cNvPr id="1" name=""/>
@@ -3359,6 +3367,66 @@
           <a:chExt cx="0" cy="0"/>
         </a:xfrm>
       </p:grpSpPr>
+      <p:sp useBgFill="1">
+        <p:nvSpPr>
+          <p:cNvPr id="8" name="Rectangle 7">
+            <a:extLst>
+              <a:ext uri="{FF2B5EF4-FFF2-40B4-BE49-F238E27FC236}">
+                <a16:creationId xmlns:a16="http://schemas.microsoft.com/office/drawing/2014/main" id="{BAD76F3E-3A97-486B-B402-44400A8B9173}"/>
+              </a:ext>
+              <a:ext uri="{C183D7F6-B498-43B3-948B-1728B52AA6E4}">
+                <adec:decorative xmlns:adec="http://schemas.microsoft.com/office/drawing/2017/decorative" val="1"/>
+              </a:ext>
+            </a:extLst>
+          </p:cNvPr>
+          <p:cNvSpPr>
+            <a:spLocks noGrp="1" noRot="1" noChangeAspect="1" noMove="1" noResize="1" noEditPoints="1" noAdjustHandles="1" noChangeArrowheads="1" noChangeShapeType="1" noTextEdit="1"/>
+          </p:cNvSpPr>
+          <p:nvPr>
+            <p:extLst>
+              <p:ext uri="{386F3935-93C4-4BCD-93E2-E3B085C9AB24}">
+                <p16:designElem xmlns:p16="http://schemas.microsoft.com/office/powerpoint/2015/main" val="1"/>
+              </p:ext>
+            </p:extLst>
+          </p:nvPr>
+        </p:nvSpPr>
+        <p:spPr>
+          <a:xfrm>
+            <a:off x="0" y="0"/>
+            <a:ext cx="12192000" cy="6858000"/>
+          </a:xfrm>
+          <a:prstGeom prst="rect">
+            <a:avLst/>
+          </a:prstGeom>
+          <a:ln>
+            <a:noFill/>
+          </a:ln>
+        </p:spPr>
+        <p:style>
+          <a:lnRef idx="2">
+            <a:schemeClr val="accent1">
+              <a:shade val="50000"/>
+            </a:schemeClr>
+          </a:lnRef>
+          <a:fillRef idx="1">
+            <a:schemeClr val="accent1"/>
+          </a:fillRef>
+          <a:effectRef idx="0">
+            <a:schemeClr val="accent1"/>
+          </a:effectRef>
+          <a:fontRef idx="minor">
+            <a:schemeClr val="lt1"/>
+          </a:fontRef>
+        </p:style>
+        <p:txBody>
+          <a:bodyPr rtlCol="0" anchor="ctr"/>
+          <a:lstStyle/>
+          <a:p>
+            <a:pPr algn="ctr"/>
+            <a:endParaRPr lang="en-US"/>
+          </a:p>
+        </p:txBody>
+      </p:sp>
       <p:sp>
         <p:nvSpPr>
           <p:cNvPr id="2" name="Title 1">
@@ -3375,13 +3443,27 @@
             <p:ph type="title"/>
           </p:nvPr>
         </p:nvSpPr>
-        <p:spPr/>
-        <p:txBody>
-          <a:bodyPr/>
-          <a:lstStyle/>
-          <a:p>
-            <a:r>
-              <a:rPr lang="en-IE" dirty="0"/>
+        <p:spPr>
+          <a:xfrm>
+            <a:off x="838199" y="1093788"/>
+            <a:ext cx="10506455" cy="2967208"/>
+          </a:xfrm>
+        </p:spPr>
+        <p:txBody>
+          <a:bodyPr vert="horz" lIns="91440" tIns="45720" rIns="91440" bIns="45720" rtlCol="0" anchor="b">
+            <a:normAutofit/>
+          </a:bodyPr>
+          <a:lstStyle/>
+          <a:p>
+            <a:r>
+              <a:rPr lang="en-US" sz="8000" kern="1200">
+                <a:solidFill>
+                  <a:schemeClr val="tx1"/>
+                </a:solidFill>
+                <a:latin typeface="+mj-lt"/>
+                <a:ea typeface="+mj-ea"/>
+                <a:cs typeface="+mj-cs"/>
+              </a:rPr>
               <a:t>Integrating API into React App 2</a:t>
             </a:r>
           </a:p>
@@ -3403,12 +3485,188 @@
             <p:ph type="body" idx="1"/>
           </p:nvPr>
         </p:nvSpPr>
-        <p:spPr/>
-        <p:txBody>
-          <a:bodyPr/>
-          <a:lstStyle/>
-          <a:p>
-            <a:endParaRPr lang="en-IE" dirty="0"/>
+        <p:spPr>
+          <a:xfrm>
+            <a:off x="7400924" y="4619624"/>
+            <a:ext cx="3946779" cy="1038225"/>
+          </a:xfrm>
+        </p:spPr>
+        <p:txBody>
+          <a:bodyPr vert="horz" lIns="91440" tIns="45720" rIns="91440" bIns="45720" rtlCol="0">
+            <a:normAutofit/>
+          </a:bodyPr>
+          <a:lstStyle/>
+          <a:p>
+            <a:pPr algn="r"/>
+            <a:endParaRPr lang="en-US" sz="2400" kern="1200">
+              <a:solidFill>
+                <a:schemeClr val="tx1"/>
+              </a:solidFill>
+              <a:latin typeface="+mn-lt"/>
+              <a:ea typeface="+mn-ea"/>
+              <a:cs typeface="+mn-cs"/>
+            </a:endParaRPr>
+          </a:p>
+        </p:txBody>
+      </p:sp>
+      <p:sp>
+        <p:nvSpPr>
+          <p:cNvPr id="10" name="Rectangle 9">
+            <a:extLst>
+              <a:ext uri="{FF2B5EF4-FFF2-40B4-BE49-F238E27FC236}">
+                <a16:creationId xmlns:a16="http://schemas.microsoft.com/office/drawing/2014/main" id="{391F6B52-91F4-4AEB-B6DB-29FEBCF28C8B}"/>
+              </a:ext>
+              <a:ext uri="{C183D7F6-B498-43B3-948B-1728B52AA6E4}">
+                <adec:decorative xmlns:adec="http://schemas.microsoft.com/office/drawing/2017/decorative" val="1"/>
+              </a:ext>
+            </a:extLst>
+          </p:cNvPr>
+          <p:cNvSpPr>
+            <a:spLocks noGrp="1" noRot="1" noChangeAspect="1" noMove="1" noResize="1" noEditPoints="1" noAdjustHandles="1" noChangeArrowheads="1" noChangeShapeType="1" noTextEdit="1"/>
+          </p:cNvSpPr>
+          <p:nvPr>
+            <p:extLst>
+              <p:ext uri="{386F3935-93C4-4BCD-93E2-E3B085C9AB24}">
+                <p16:designElem xmlns:p16="http://schemas.microsoft.com/office/powerpoint/2015/main" val="1"/>
+              </p:ext>
+            </p:extLst>
+          </p:nvPr>
+        </p:nvSpPr>
+        <p:spPr>
+          <a:xfrm>
+            <a:off x="841248" y="4331166"/>
+            <a:ext cx="10506456" cy="18288"/>
+          </a:xfrm>
+          <a:prstGeom prst="rect">
+            <a:avLst/>
+          </a:prstGeom>
+          <a:solidFill>
+            <a:srgbClr val="D5D5D5"/>
+          </a:solidFill>
+          <a:ln w="3175">
+            <a:noFill/>
+          </a:ln>
+          <a:effectLst/>
+        </p:spPr>
+        <p:style>
+          <a:lnRef idx="2">
+            <a:schemeClr val="accent1">
+              <a:shade val="50000"/>
+            </a:schemeClr>
+          </a:lnRef>
+          <a:fillRef idx="1">
+            <a:schemeClr val="accent1"/>
+          </a:fillRef>
+          <a:effectRef idx="0">
+            <a:schemeClr val="accent1"/>
+          </a:effectRef>
+          <a:fontRef idx="minor">
+            <a:schemeClr val="lt1"/>
+          </a:fontRef>
+        </p:style>
+        <p:txBody>
+          <a:bodyPr rtlCol="0" anchor="ctr"/>
+          <a:lstStyle/>
+          <a:p>
+            <a:pPr algn="ctr"/>
+            <a:endParaRPr lang="en-US">
+              <a:solidFill>
+                <a:prstClr val="white"/>
+              </a:solidFill>
+              <a:latin typeface="Calibri" panose="020F0502020204030204"/>
+            </a:endParaRPr>
+          </a:p>
+        </p:txBody>
+      </p:sp>
+      <p:sp>
+        <p:nvSpPr>
+          <p:cNvPr id="12" name="Rectangle 11">
+            <a:extLst>
+              <a:ext uri="{FF2B5EF4-FFF2-40B4-BE49-F238E27FC236}">
+                <a16:creationId xmlns:a16="http://schemas.microsoft.com/office/drawing/2014/main" id="{2CD6F061-7C53-44F4-9794-953DB70A451B}"/>
+              </a:ext>
+              <a:ext uri="{C183D7F6-B498-43B3-948B-1728B52AA6E4}">
+                <adec:decorative xmlns:adec="http://schemas.microsoft.com/office/drawing/2017/decorative" val="1"/>
+              </a:ext>
+            </a:extLst>
+          </p:cNvPr>
+          <p:cNvSpPr>
+            <a:spLocks noGrp="1" noRot="1" noChangeAspect="1" noMove="1" noResize="1" noEditPoints="1" noAdjustHandles="1" noChangeArrowheads="1" noChangeShapeType="1" noTextEdit="1"/>
+          </p:cNvSpPr>
+          <p:nvPr>
+            <p:extLst>
+              <p:ext uri="{386F3935-93C4-4BCD-93E2-E3B085C9AB24}">
+                <p16:designElem xmlns:p16="http://schemas.microsoft.com/office/powerpoint/2015/main" val="1"/>
+              </p:ext>
+            </p:extLst>
+          </p:nvPr>
+        </p:nvSpPr>
+        <p:spPr>
+          <a:xfrm rot="5400000">
+            <a:off x="9346882" y="2348839"/>
+            <a:ext cx="54864" cy="3946779"/>
+          </a:xfrm>
+          <a:prstGeom prst="rect">
+            <a:avLst/>
+          </a:prstGeom>
+          <a:solidFill>
+            <a:schemeClr val="accent2"/>
+          </a:solidFill>
+          <a:ln>
+            <a:noFill/>
+          </a:ln>
+        </p:spPr>
+        <p:style>
+          <a:lnRef idx="2">
+            <a:schemeClr val="accent1">
+              <a:shade val="50000"/>
+            </a:schemeClr>
+          </a:lnRef>
+          <a:fillRef idx="1">
+            <a:schemeClr val="accent1"/>
+          </a:fillRef>
+          <a:effectRef idx="0">
+            <a:schemeClr val="accent1"/>
+          </a:effectRef>
+          <a:fontRef idx="minor">
+            <a:schemeClr val="lt1"/>
+          </a:fontRef>
+        </p:style>
+        <p:txBody>
+          <a:bodyPr rtlCol="0" anchor="ctr"/>
+          <a:lstStyle/>
+          <a:p>
+            <a:pPr marL="0" marR="0" lvl="0" indent="0" algn="ctr" defTabSz="914400" rtl="0" eaLnBrk="1" fontAlgn="auto" latinLnBrk="0" hangingPunct="1">
+              <a:lnSpc>
+                <a:spcPct val="100000"/>
+              </a:lnSpc>
+              <a:spcBef>
+                <a:spcPts val="0"/>
+              </a:spcBef>
+              <a:spcAft>
+                <a:spcPts val="0"/>
+              </a:spcAft>
+              <a:buClrTx/>
+              <a:buSzTx/>
+              <a:buFontTx/>
+              <a:buNone/>
+              <a:tabLst/>
+              <a:defRPr/>
+            </a:pPr>
+            <a:endParaRPr kumimoji="0" lang="en-US" sz="1800" b="0" i="0" u="none" strike="noStrike" kern="1200" cap="none" spc="0" normalizeH="0" baseline="0" noProof="0">
+              <a:ln>
+                <a:noFill/>
+              </a:ln>
+              <a:solidFill>
+                <a:prstClr val="white"/>
+              </a:solidFill>
+              <a:effectLst/>
+              <a:uLnTx/>
+              <a:uFillTx/>
+              <a:latin typeface="Calibri" panose="020F0502020204030204"/>
+              <a:ea typeface="+mn-ea"/>
+              <a:cs typeface="+mn-cs"/>
+            </a:endParaRPr>
           </a:p>
         </p:txBody>
       </p:sp>
@@ -3580,6 +3838,14 @@
 <file path=ppt/slides/slide2.xml><?xml version="1.0" encoding="utf-8"?>
 <p:sld xmlns:a="http://schemas.openxmlformats.org/drawingml/2006/main" xmlns:r="http://schemas.openxmlformats.org/officeDocument/2006/relationships" xmlns:p="http://schemas.openxmlformats.org/presentationml/2006/main">
   <p:cSld>
+    <p:bg>
+      <p:bgPr>
+        <a:solidFill>
+          <a:schemeClr val="bg1"/>
+        </a:solidFill>
+        <a:effectLst/>
+      </p:bgPr>
+    </p:bg>
     <p:spTree>
       <p:nvGrpSpPr>
         <p:cNvPr id="1" name=""/>
@@ -3594,6 +3860,255 @@
           <a:chExt cx="0" cy="0"/>
         </a:xfrm>
       </p:grpSpPr>
+      <p:sp useBgFill="1">
+        <p:nvSpPr>
+          <p:cNvPr id="21" name="Rectangle 7">
+            <a:extLst>
+              <a:ext uri="{FF2B5EF4-FFF2-40B4-BE49-F238E27FC236}">
+                <a16:creationId xmlns:a16="http://schemas.microsoft.com/office/drawing/2014/main" id="{DAF1966E-FD40-4A4A-B61B-C4DF7FA05F06}"/>
+              </a:ext>
+              <a:ext uri="{C183D7F6-B498-43B3-948B-1728B52AA6E4}">
+                <adec:decorative xmlns:adec="http://schemas.microsoft.com/office/drawing/2017/decorative" val="1"/>
+              </a:ext>
+            </a:extLst>
+          </p:cNvPr>
+          <p:cNvSpPr>
+            <a:spLocks noGrp="1" noRot="1" noChangeAspect="1" noMove="1" noResize="1" noEditPoints="1" noAdjustHandles="1" noChangeArrowheads="1" noChangeShapeType="1" noTextEdit="1"/>
+          </p:cNvSpPr>
+          <p:nvPr>
+            <p:extLst>
+              <p:ext uri="{386F3935-93C4-4BCD-93E2-E3B085C9AB24}">
+                <p16:designElem xmlns:p16="http://schemas.microsoft.com/office/powerpoint/2015/main" val="1"/>
+              </p:ext>
+            </p:extLst>
+          </p:nvPr>
+        </p:nvSpPr>
+        <p:spPr>
+          <a:xfrm>
+            <a:off x="0" y="0"/>
+            <a:ext cx="12192000" cy="6858000"/>
+          </a:xfrm>
+          <a:prstGeom prst="rect">
+            <a:avLst/>
+          </a:prstGeom>
+          <a:ln>
+            <a:noFill/>
+          </a:ln>
+        </p:spPr>
+        <p:style>
+          <a:lnRef idx="2">
+            <a:schemeClr val="accent1">
+              <a:shade val="50000"/>
+            </a:schemeClr>
+          </a:lnRef>
+          <a:fillRef idx="1">
+            <a:schemeClr val="accent1"/>
+          </a:fillRef>
+          <a:effectRef idx="0">
+            <a:schemeClr val="accent1"/>
+          </a:effectRef>
+          <a:fontRef idx="minor">
+            <a:schemeClr val="lt1"/>
+          </a:fontRef>
+        </p:style>
+        <p:txBody>
+          <a:bodyPr rtlCol="0" anchor="ctr"/>
+          <a:lstStyle/>
+          <a:p>
+            <a:pPr algn="ctr"/>
+            <a:endParaRPr lang="en-US"/>
+          </a:p>
+        </p:txBody>
+      </p:sp>
+      <p:sp useBgFill="1">
+        <p:nvSpPr>
+          <p:cNvPr id="10" name="Rectangle 9">
+            <a:extLst>
+              <a:ext uri="{FF2B5EF4-FFF2-40B4-BE49-F238E27FC236}">
+                <a16:creationId xmlns:a16="http://schemas.microsoft.com/office/drawing/2014/main" id="{047BFA19-D45E-416B-A404-7AF2F3F27017}"/>
+              </a:ext>
+              <a:ext uri="{C183D7F6-B498-43B3-948B-1728B52AA6E4}">
+                <adec:decorative xmlns:adec="http://schemas.microsoft.com/office/drawing/2017/decorative" val="1"/>
+              </a:ext>
+            </a:extLst>
+          </p:cNvPr>
+          <p:cNvSpPr>
+            <a:spLocks noGrp="1" noRot="1" noChangeAspect="1" noMove="1" noResize="1" noEditPoints="1" noAdjustHandles="1" noChangeArrowheads="1" noChangeShapeType="1" noTextEdit="1"/>
+          </p:cNvSpPr>
+          <p:nvPr>
+            <p:extLst>
+              <p:ext uri="{386F3935-93C4-4BCD-93E2-E3B085C9AB24}">
+                <p16:designElem xmlns:p16="http://schemas.microsoft.com/office/powerpoint/2015/main" val="1"/>
+              </p:ext>
+            </p:extLst>
+          </p:nvPr>
+        </p:nvSpPr>
+        <p:spPr>
+          <a:xfrm>
+            <a:off x="558209" y="0"/>
+            <a:ext cx="11167447" cy="2018806"/>
+          </a:xfrm>
+          <a:prstGeom prst="rect">
+            <a:avLst/>
+          </a:prstGeom>
+          <a:ln w="9525">
+            <a:solidFill>
+              <a:srgbClr val="E1E1E1"/>
+            </a:solidFill>
+          </a:ln>
+          <a:effectLst>
+            <a:outerShdw blurRad="50800" dist="38100" dir="2700000" algn="tl" rotWithShape="0">
+              <a:schemeClr val="bg1">
+                <a:lumMod val="85000"/>
+                <a:alpha val="50000"/>
+              </a:schemeClr>
+            </a:outerShdw>
+          </a:effectLst>
+        </p:spPr>
+        <p:style>
+          <a:lnRef idx="2">
+            <a:schemeClr val="accent1">
+              <a:shade val="50000"/>
+            </a:schemeClr>
+          </a:lnRef>
+          <a:fillRef idx="1">
+            <a:schemeClr val="accent1"/>
+          </a:fillRef>
+          <a:effectRef idx="0">
+            <a:schemeClr val="accent1"/>
+          </a:effectRef>
+          <a:fontRef idx="minor">
+            <a:schemeClr val="lt1"/>
+          </a:fontRef>
+        </p:style>
+        <p:txBody>
+          <a:bodyPr rtlCol="0" anchor="ctr"/>
+          <a:lstStyle/>
+          <a:p>
+            <a:pPr marL="0" marR="0" lvl="0" indent="0" algn="ctr" defTabSz="914400" rtl="0" eaLnBrk="1" fontAlgn="auto" latinLnBrk="0" hangingPunct="1">
+              <a:lnSpc>
+                <a:spcPct val="100000"/>
+              </a:lnSpc>
+              <a:spcBef>
+                <a:spcPts val="0"/>
+              </a:spcBef>
+              <a:spcAft>
+                <a:spcPts val="0"/>
+              </a:spcAft>
+              <a:buClrTx/>
+              <a:buSzTx/>
+              <a:buFontTx/>
+              <a:buNone/>
+              <a:tabLst/>
+              <a:defRPr/>
+            </a:pPr>
+            <a:endParaRPr kumimoji="0" lang="en-US" sz="1800" b="0" i="0" u="none" strike="noStrike" kern="1200" cap="none" spc="0" normalizeH="0" baseline="0" noProof="0">
+              <a:ln>
+                <a:noFill/>
+              </a:ln>
+              <a:solidFill>
+                <a:prstClr val="white"/>
+              </a:solidFill>
+              <a:effectLst/>
+              <a:uLnTx/>
+              <a:uFillTx/>
+              <a:latin typeface="Calibri" panose="020F0502020204030204"/>
+              <a:ea typeface="+mn-ea"/>
+              <a:cs typeface="+mn-cs"/>
+            </a:endParaRPr>
+          </a:p>
+        </p:txBody>
+      </p:sp>
+      <p:sp useBgFill="1">
+        <p:nvSpPr>
+          <p:cNvPr id="22" name="Rectangle 11">
+            <a:extLst>
+              <a:ext uri="{FF2B5EF4-FFF2-40B4-BE49-F238E27FC236}">
+                <a16:creationId xmlns:a16="http://schemas.microsoft.com/office/drawing/2014/main" id="{8E0105E7-23DB-4CF2-8258-FF47C7620F6E}"/>
+              </a:ext>
+              <a:ext uri="{C183D7F6-B498-43B3-948B-1728B52AA6E4}">
+                <adec:decorative xmlns:adec="http://schemas.microsoft.com/office/drawing/2017/decorative" val="1"/>
+              </a:ext>
+            </a:extLst>
+          </p:cNvPr>
+          <p:cNvSpPr>
+            <a:spLocks noGrp="1" noRot="1" noChangeAspect="1" noMove="1" noResize="1" noEditPoints="1" noAdjustHandles="1" noChangeArrowheads="1" noChangeShapeType="1" noTextEdit="1"/>
+          </p:cNvSpPr>
+          <p:nvPr>
+            <p:extLst>
+              <p:ext uri="{386F3935-93C4-4BCD-93E2-E3B085C9AB24}">
+                <p16:designElem xmlns:p16="http://schemas.microsoft.com/office/powerpoint/2015/main" val="1"/>
+              </p:ext>
+            </p:extLst>
+          </p:nvPr>
+        </p:nvSpPr>
+        <p:spPr>
+          <a:xfrm>
+            <a:off x="566928" y="0"/>
+            <a:ext cx="11155680" cy="2011680"/>
+          </a:xfrm>
+          <a:prstGeom prst="rect">
+            <a:avLst/>
+          </a:prstGeom>
+          <a:ln w="9525">
+            <a:noFill/>
+          </a:ln>
+          <a:effectLst/>
+        </p:spPr>
+        <p:style>
+          <a:lnRef idx="2">
+            <a:schemeClr val="accent1">
+              <a:shade val="50000"/>
+            </a:schemeClr>
+          </a:lnRef>
+          <a:fillRef idx="1">
+            <a:schemeClr val="accent1"/>
+          </a:fillRef>
+          <a:effectRef idx="0">
+            <a:schemeClr val="accent1"/>
+          </a:effectRef>
+          <a:fontRef idx="minor">
+            <a:schemeClr val="lt1"/>
+          </a:fontRef>
+        </p:style>
+        <p:txBody>
+          <a:bodyPr rtlCol="0" anchor="ctr"/>
+          <a:lstStyle/>
+          <a:p>
+            <a:pPr marL="0" marR="0" lvl="0" indent="0" algn="ctr" defTabSz="914400" rtl="0" eaLnBrk="1" fontAlgn="auto" latinLnBrk="0" hangingPunct="1">
+              <a:lnSpc>
+                <a:spcPct val="100000"/>
+              </a:lnSpc>
+              <a:spcBef>
+                <a:spcPts val="0"/>
+              </a:spcBef>
+              <a:spcAft>
+                <a:spcPts val="0"/>
+              </a:spcAft>
+              <a:buClrTx/>
+              <a:buSzTx/>
+              <a:buFontTx/>
+              <a:buNone/>
+              <a:tabLst/>
+              <a:defRPr/>
+            </a:pPr>
+            <a:endParaRPr kumimoji="0" lang="en-US" sz="1800" b="0" i="0" u="none" strike="noStrike" kern="1200" cap="none" spc="0" normalizeH="0" baseline="0" noProof="0">
+              <a:ln>
+                <a:noFill/>
+              </a:ln>
+              <a:solidFill>
+                <a:prstClr val="white"/>
+              </a:solidFill>
+              <a:effectLst/>
+              <a:uLnTx/>
+              <a:uFillTx/>
+              <a:latin typeface="Calibri" panose="020F0502020204030204"/>
+              <a:ea typeface="+mn-ea"/>
+              <a:cs typeface="+mn-cs"/>
+            </a:endParaRPr>
+          </a:p>
+        </p:txBody>
+      </p:sp>
       <p:sp>
         <p:nvSpPr>
           <p:cNvPr id="2" name="Title 1">
@@ -3610,15 +4125,90 @@
             <p:ph type="title"/>
           </p:nvPr>
         </p:nvSpPr>
-        <p:spPr/>
-        <p:txBody>
-          <a:bodyPr/>
-          <a:lstStyle/>
-          <a:p>
-            <a:r>
-              <a:rPr lang="en-IE" dirty="0"/>
-              <a:t>Agenda</a:t>
-            </a:r>
+        <p:spPr>
+          <a:xfrm>
+            <a:off x="1115568" y="548640"/>
+            <a:ext cx="10168128" cy="1179576"/>
+          </a:xfrm>
+        </p:spPr>
+        <p:txBody>
+          <a:bodyPr>
+            <a:normAutofit/>
+          </a:bodyPr>
+          <a:lstStyle/>
+          <a:p>
+            <a:r>
+              <a:rPr lang="en-IE" sz="4000" dirty="0"/>
+              <a:t>Integration Considerations</a:t>
+            </a:r>
+          </a:p>
+        </p:txBody>
+      </p:sp>
+      <p:sp>
+        <p:nvSpPr>
+          <p:cNvPr id="14" name="Rectangle 13">
+            <a:extLst>
+              <a:ext uri="{FF2B5EF4-FFF2-40B4-BE49-F238E27FC236}">
+                <a16:creationId xmlns:a16="http://schemas.microsoft.com/office/drawing/2014/main" id="{074B4F7D-14B2-478B-8BF5-01E4E0C5D263}"/>
+              </a:ext>
+              <a:ext uri="{C183D7F6-B498-43B3-948B-1728B52AA6E4}">
+                <adec:decorative xmlns:adec="http://schemas.microsoft.com/office/drawing/2017/decorative" val="1"/>
+              </a:ext>
+            </a:extLst>
+          </p:cNvPr>
+          <p:cNvSpPr>
+            <a:spLocks noGrp="1" noRot="1" noChangeAspect="1" noMove="1" noResize="1" noEditPoints="1" noAdjustHandles="1" noChangeArrowheads="1" noChangeShapeType="1" noTextEdit="1"/>
+          </p:cNvSpPr>
+          <p:nvPr>
+            <p:extLst>
+              <p:ext uri="{386F3935-93C4-4BCD-93E2-E3B085C9AB24}">
+                <p16:designElem xmlns:p16="http://schemas.microsoft.com/office/powerpoint/2015/main" val="1"/>
+              </p:ext>
+            </p:extLst>
+          </p:nvPr>
+        </p:nvSpPr>
+        <p:spPr>
+          <a:xfrm>
+            <a:off x="498834" y="758952"/>
+            <a:ext cx="128016" cy="704088"/>
+          </a:xfrm>
+          <a:prstGeom prst="rect">
+            <a:avLst/>
+          </a:prstGeom>
+          <a:solidFill>
+            <a:schemeClr val="accent2"/>
+          </a:solidFill>
+          <a:ln>
+            <a:noFill/>
+          </a:ln>
+        </p:spPr>
+        <p:style>
+          <a:lnRef idx="2">
+            <a:schemeClr val="accent1">
+              <a:shade val="50000"/>
+            </a:schemeClr>
+          </a:lnRef>
+          <a:fillRef idx="1">
+            <a:schemeClr val="accent1"/>
+          </a:fillRef>
+          <a:effectRef idx="0">
+            <a:schemeClr val="accent1"/>
+          </a:effectRef>
+          <a:fontRef idx="minor">
+            <a:schemeClr val="lt1"/>
+          </a:fontRef>
+        </p:style>
+        <p:txBody>
+          <a:bodyPr rtlCol="0" anchor="ctr"/>
+          <a:lstStyle/>
+          <a:p>
+            <a:pPr algn="ctr"/>
+            <a:endParaRPr lang="en-US">
+              <a:solidFill>
+                <a:prstClr val="white"/>
+              </a:solidFill>
+              <a:latin typeface="Calibri" panose="020F0502020204030204"/>
+            </a:endParaRPr>
           </a:p>
         </p:txBody>
       </p:sp>
@@ -3638,53 +4228,60 @@
             <p:ph idx="1"/>
           </p:nvPr>
         </p:nvSpPr>
-        <p:spPr/>
-        <p:txBody>
-          <a:bodyPr/>
-          <a:lstStyle/>
-          <a:p>
-            <a:r>
-              <a:rPr lang="en-IE" dirty="0"/>
+        <p:spPr>
+          <a:xfrm>
+            <a:off x="1115568" y="2481943"/>
+            <a:ext cx="10168128" cy="3695020"/>
+          </a:xfrm>
+        </p:spPr>
+        <p:txBody>
+          <a:bodyPr>
+            <a:normAutofit/>
+          </a:bodyPr>
+          <a:lstStyle/>
+          <a:p>
+            <a:r>
+              <a:rPr lang="en-IE" sz="2200"/>
               <a:t>Review API Design</a:t>
             </a:r>
           </a:p>
           <a:p>
             <a:r>
-              <a:rPr lang="en-IE" dirty="0"/>
+              <a:rPr lang="en-IE" sz="2200"/>
               <a:t>Develop front end API Module</a:t>
             </a:r>
           </a:p>
           <a:p>
             <a:pPr lvl="1"/>
             <a:r>
-              <a:rPr lang="en-IE" dirty="0"/>
+              <a:rPr lang="en-IE" sz="2200"/>
               <a:t>Endpoints</a:t>
             </a:r>
           </a:p>
           <a:p>
             <a:pPr lvl="1"/>
             <a:r>
-              <a:rPr lang="en-IE" dirty="0"/>
+              <a:rPr lang="en-IE" sz="2200"/>
               <a:t>Routes</a:t>
             </a:r>
           </a:p>
           <a:p>
             <a:r>
-              <a:rPr lang="en-IE" dirty="0"/>
+              <a:rPr lang="en-IE" sz="2200"/>
               <a:t>React Authentication Context</a:t>
             </a:r>
           </a:p>
           <a:p>
             <a:r>
-              <a:rPr lang="en-IE" dirty="0"/>
+              <a:rPr lang="en-IE" sz="2200"/>
               <a:t>React Login/Registration Page</a:t>
             </a:r>
           </a:p>
           <a:p>
-            <a:endParaRPr lang="en-IE" dirty="0"/>
-          </a:p>
-          <a:p>
-            <a:endParaRPr lang="en-IE" dirty="0"/>
+            <a:endParaRPr lang="en-IE" sz="2200"/>
+          </a:p>
+          <a:p>
+            <a:endParaRPr lang="en-IE" sz="2200"/>
           </a:p>
         </p:txBody>
       </p:sp>
@@ -4856,12 +5453,320 @@
           <a:chExt cx="0" cy="0"/>
         </a:xfrm>
       </p:grpSpPr>
+      <p:sp>
+        <p:nvSpPr>
+          <p:cNvPr id="2" name="Title 1">
+            <a:extLst>
+              <a:ext uri="{FF2B5EF4-FFF2-40B4-BE49-F238E27FC236}">
+                <a16:creationId xmlns:a16="http://schemas.microsoft.com/office/drawing/2014/main" id="{F456A8F7-DCC6-45B7-A581-658644B9D023}"/>
+              </a:ext>
+            </a:extLst>
+          </p:cNvPr>
+          <p:cNvSpPr>
+            <a:spLocks noGrp="1"/>
+          </p:cNvSpPr>
+          <p:nvPr>
+            <p:ph type="title"/>
+          </p:nvPr>
+        </p:nvSpPr>
+        <p:spPr>
+          <a:xfrm>
+            <a:off x="648929" y="629266"/>
+            <a:ext cx="3505495" cy="1622321"/>
+          </a:xfrm>
+        </p:spPr>
+        <p:txBody>
+          <a:bodyPr>
+            <a:normAutofit/>
+          </a:bodyPr>
+          <a:lstStyle/>
+          <a:p>
+            <a:r>
+              <a:rPr lang="en-IE"/>
+              <a:t>Assignment 2</a:t>
+            </a:r>
+          </a:p>
+        </p:txBody>
+      </p:sp>
+      <p:sp>
+        <p:nvSpPr>
+          <p:cNvPr id="3" name="Content Placeholder 2">
+            <a:extLst>
+              <a:ext uri="{FF2B5EF4-FFF2-40B4-BE49-F238E27FC236}">
+                <a16:creationId xmlns:a16="http://schemas.microsoft.com/office/drawing/2014/main" id="{BEE32391-570F-43DA-B002-4C754BB4E20C}"/>
+              </a:ext>
+            </a:extLst>
+          </p:cNvPr>
+          <p:cNvSpPr>
+            <a:spLocks noGrp="1"/>
+          </p:cNvSpPr>
+          <p:nvPr>
+            <p:ph idx="1"/>
+          </p:nvPr>
+        </p:nvSpPr>
+        <p:spPr>
+          <a:xfrm>
+            <a:off x="648931" y="2438400"/>
+            <a:ext cx="3505494" cy="3785419"/>
+          </a:xfrm>
+        </p:spPr>
+        <p:txBody>
+          <a:bodyPr>
+            <a:normAutofit/>
+          </a:bodyPr>
+          <a:lstStyle/>
+          <a:p>
+            <a:r>
+              <a:rPr lang="en-IE" sz="2000" dirty="0"/>
+              <a:t>It’s here: </a:t>
+            </a:r>
+            <a:r>
+              <a:rPr lang="en-IE" sz="2000" dirty="0">
+                <a:hlinkClick r:id="rId2"/>
+              </a:rPr>
+              <a:t>https://moodle.wit.ie/pluginfile.php/5970149/mod_resource/content/7/index.html</a:t>
+            </a:r>
+          </a:p>
+          <a:p>
+            <a:r>
+              <a:rPr lang="en-IE" sz="2000" b="1" dirty="0"/>
+              <a:t>35% of your overall mark</a:t>
+            </a:r>
+          </a:p>
+          <a:p>
+            <a:r>
+              <a:rPr lang="en-IE" sz="2000" dirty="0"/>
+              <a:t>Submit on Moodle (Repo)</a:t>
+            </a:r>
+          </a:p>
+          <a:p>
+            <a:r>
+              <a:rPr lang="en-IE" sz="2000" b="1" dirty="0"/>
+              <a:t>Due 3</a:t>
+            </a:r>
+            <a:r>
+              <a:rPr lang="en-IE" sz="2000" b="1" baseline="30000" dirty="0"/>
+              <a:t>rd</a:t>
+            </a:r>
+            <a:r>
+              <a:rPr lang="en-IE" sz="2000" b="1" dirty="0"/>
+              <a:t>  January.</a:t>
+            </a:r>
+          </a:p>
+        </p:txBody>
+      </p:sp>
+      <p:sp>
+        <p:nvSpPr>
+          <p:cNvPr id="19" name="Rectangle 18">
+            <a:extLst>
+              <a:ext uri="{FF2B5EF4-FFF2-40B4-BE49-F238E27FC236}">
+                <a16:creationId xmlns:a16="http://schemas.microsoft.com/office/drawing/2014/main" id="{5E39A796-BE83-48B1-B33F-35C4A32AAB57}"/>
+              </a:ext>
+              <a:ext uri="{C183D7F6-B498-43B3-948B-1728B52AA6E4}">
+                <adec:decorative xmlns:adec="http://schemas.microsoft.com/office/drawing/2017/decorative" val="1"/>
+              </a:ext>
+            </a:extLst>
+          </p:cNvPr>
+          <p:cNvSpPr>
+            <a:spLocks noGrp="1" noRot="1" noChangeAspect="1" noMove="1" noResize="1" noEditPoints="1" noAdjustHandles="1" noChangeArrowheads="1" noChangeShapeType="1" noTextEdit="1"/>
+          </p:cNvSpPr>
+          <p:nvPr>
+            <p:extLst>
+              <p:ext uri="{386F3935-93C4-4BCD-93E2-E3B085C9AB24}">
+                <p16:designElem xmlns:p16="http://schemas.microsoft.com/office/powerpoint/2015/main" val="1"/>
+              </p:ext>
+            </p:extLst>
+          </p:nvPr>
+        </p:nvSpPr>
+        <p:spPr>
+          <a:xfrm>
+            <a:off x="4639056" y="0"/>
+            <a:ext cx="7552944" cy="6858000"/>
+          </a:xfrm>
+          <a:prstGeom prst="rect">
+            <a:avLst/>
+          </a:prstGeom>
+          <a:solidFill>
+            <a:srgbClr val="C8CACA"/>
+          </a:solidFill>
+          <a:ln>
+            <a:noFill/>
+          </a:ln>
+        </p:spPr>
+        <p:style>
+          <a:lnRef idx="2">
+            <a:schemeClr val="accent1">
+              <a:shade val="50000"/>
+            </a:schemeClr>
+          </a:lnRef>
+          <a:fillRef idx="1">
+            <a:schemeClr val="accent1"/>
+          </a:fillRef>
+          <a:effectRef idx="0">
+            <a:schemeClr val="accent1"/>
+          </a:effectRef>
+          <a:fontRef idx="minor">
+            <a:schemeClr val="lt1"/>
+          </a:fontRef>
+        </p:style>
+        <p:txBody>
+          <a:bodyPr rtlCol="0" anchor="ctr"/>
+          <a:lstStyle/>
+          <a:p>
+            <a:pPr algn="ctr"/>
+            <a:endParaRPr lang="en-US"/>
+          </a:p>
+        </p:txBody>
+      </p:sp>
+      <p:sp>
+        <p:nvSpPr>
+          <p:cNvPr id="21" name="Rounded Rectangle 9">
+            <a:extLst>
+              <a:ext uri="{FF2B5EF4-FFF2-40B4-BE49-F238E27FC236}">
+                <a16:creationId xmlns:a16="http://schemas.microsoft.com/office/drawing/2014/main" id="{72F84B47-E267-4194-8194-831DB7B5547F}"/>
+              </a:ext>
+              <a:ext uri="{C183D7F6-B498-43B3-948B-1728B52AA6E4}">
+                <adec:decorative xmlns:adec="http://schemas.microsoft.com/office/drawing/2017/decorative" val="1"/>
+              </a:ext>
+            </a:extLst>
+          </p:cNvPr>
+          <p:cNvSpPr>
+            <a:spLocks noGrp="1" noRot="1" noChangeAspect="1" noMove="1" noResize="1" noEditPoints="1" noAdjustHandles="1" noChangeArrowheads="1" noChangeShapeType="1" noTextEdit="1"/>
+          </p:cNvSpPr>
+          <p:nvPr>
+            <p:extLst>
+              <p:ext uri="{386F3935-93C4-4BCD-93E2-E3B085C9AB24}">
+                <p16:designElem xmlns:p16="http://schemas.microsoft.com/office/powerpoint/2015/main" val="1"/>
+              </p:ext>
+            </p:extLst>
+          </p:nvPr>
+        </p:nvSpPr>
+        <p:spPr>
+          <a:xfrm>
+            <a:off x="5123688" y="557784"/>
+            <a:ext cx="6584098" cy="5739187"/>
+          </a:xfrm>
+          <a:prstGeom prst="roundRect">
+            <a:avLst>
+              <a:gd name="adj" fmla="val 0"/>
+            </a:avLst>
+          </a:prstGeom>
+          <a:solidFill>
+            <a:srgbClr val="FFFFFF"/>
+          </a:solidFill>
+          <a:ln w="9525">
+            <a:solidFill>
+              <a:srgbClr val="C8CACA"/>
+            </a:solidFill>
+          </a:ln>
+          <a:effectLst>
+            <a:outerShdw blurRad="57150" dist="19050" dir="5400000" algn="t" rotWithShape="0">
+              <a:prstClr val="black">
+                <a:alpha val="63000"/>
+              </a:prstClr>
+            </a:outerShdw>
+          </a:effectLst>
+        </p:spPr>
+        <p:style>
+          <a:lnRef idx="2">
+            <a:schemeClr val="accent1">
+              <a:shade val="50000"/>
+            </a:schemeClr>
+          </a:lnRef>
+          <a:fillRef idx="1">
+            <a:schemeClr val="accent1"/>
+          </a:fillRef>
+          <a:effectRef idx="0">
+            <a:schemeClr val="accent1"/>
+          </a:effectRef>
+          <a:fontRef idx="minor">
+            <a:schemeClr val="lt1"/>
+          </a:fontRef>
+        </p:style>
+        <p:txBody>
+          <a:bodyPr rtlCol="0" anchor="ctr"/>
+          <a:lstStyle/>
+          <a:p>
+            <a:pPr algn="ctr"/>
+            <a:endParaRPr lang="en-US"/>
+          </a:p>
+        </p:txBody>
+      </p:sp>
+      <p:pic>
+        <p:nvPicPr>
+          <p:cNvPr id="6" name="Picture 5" descr="Graphical user interface, text, application, email&#10;&#10;Description automatically generated">
+            <a:extLst>
+              <a:ext uri="{FF2B5EF4-FFF2-40B4-BE49-F238E27FC236}">
+                <a16:creationId xmlns:a16="http://schemas.microsoft.com/office/drawing/2014/main" id="{06A06B49-96DC-4EC6-AACD-F61A2E600204}"/>
+              </a:ext>
+            </a:extLst>
+          </p:cNvPr>
+          <p:cNvPicPr>
+            <a:picLocks noChangeAspect="1"/>
+          </p:cNvPicPr>
+          <p:nvPr/>
+        </p:nvPicPr>
+        <p:blipFill>
+          <a:blip r:embed="rId3"/>
+          <a:stretch>
+            <a:fillRect/>
+          </a:stretch>
+        </p:blipFill>
+        <p:spPr>
+          <a:xfrm>
+            <a:off x="5405862" y="1313087"/>
+            <a:ext cx="6019331" cy="4228580"/>
+          </a:xfrm>
+          <a:prstGeom prst="rect">
+            <a:avLst/>
+          </a:prstGeom>
+          <a:effectLst/>
+        </p:spPr>
+      </p:pic>
+    </p:spTree>
+    <p:extLst>
+      <p:ext uri="{BB962C8B-B14F-4D97-AF65-F5344CB8AC3E}">
+        <p14:creationId xmlns:p14="http://schemas.microsoft.com/office/powerpoint/2010/main" val="1850684912"/>
+      </p:ext>
+    </p:extLst>
+  </p:cSld>
+  <p:clrMapOvr>
+    <a:masterClrMapping/>
+  </p:clrMapOvr>
+</p:sld>
+</file>
+
+<file path=ppt/slides/slide9.xml><?xml version="1.0" encoding="utf-8"?>
+<p:sld xmlns:a="http://schemas.openxmlformats.org/drawingml/2006/main" xmlns:r="http://schemas.openxmlformats.org/officeDocument/2006/relationships" xmlns:p="http://schemas.openxmlformats.org/presentationml/2006/main">
+  <p:cSld>
+    <p:bg>
+      <p:bgPr>
+        <a:solidFill>
+          <a:schemeClr val="bg1"/>
+        </a:solidFill>
+        <a:effectLst/>
+      </p:bgPr>
+    </p:bg>
+    <p:spTree>
+      <p:nvGrpSpPr>
+        <p:cNvPr id="1" name=""/>
+        <p:cNvGrpSpPr/>
+        <p:nvPr/>
+      </p:nvGrpSpPr>
+      <p:grpSpPr>
+        <a:xfrm>
+          <a:off x="0" y="0"/>
+          <a:ext cx="0" cy="0"/>
+          <a:chOff x="0" y="0"/>
+          <a:chExt cx="0" cy="0"/>
+        </a:xfrm>
+      </p:grpSpPr>
       <p:sp useBgFill="1">
         <p:nvSpPr>
           <p:cNvPr id="10" name="Rectangle 9">
             <a:extLst>
               <a:ext uri="{FF2B5EF4-FFF2-40B4-BE49-F238E27FC236}">
-                <a16:creationId xmlns:a16="http://schemas.microsoft.com/office/drawing/2014/main" id="{979E27D9-03C7-44E2-9FF8-15D0C8506AF7}"/>
+                <a16:creationId xmlns:a16="http://schemas.microsoft.com/office/drawing/2014/main" id="{2596F992-698C-48C0-9D89-70DA4CE927EF}"/>
               </a:ext>
               <a:ext uri="{C183D7F6-B498-43B3-948B-1728B52AA6E4}">
                 <adec:decorative xmlns:adec="http://schemas.microsoft.com/office/drawing/2017/decorative" val="1"/>
@@ -4937,399 +5842,6 @@
           <p:cNvPr id="2" name="Title 1">
             <a:extLst>
               <a:ext uri="{FF2B5EF4-FFF2-40B4-BE49-F238E27FC236}">
-                <a16:creationId xmlns:a16="http://schemas.microsoft.com/office/drawing/2014/main" id="{F456A8F7-DCC6-45B7-A581-658644B9D023}"/>
-              </a:ext>
-            </a:extLst>
-          </p:cNvPr>
-          <p:cNvSpPr>
-            <a:spLocks noGrp="1"/>
-          </p:cNvSpPr>
-          <p:nvPr>
-            <p:ph type="title"/>
-          </p:nvPr>
-        </p:nvSpPr>
-        <p:spPr>
-          <a:xfrm>
-            <a:off x="1136397" y="502021"/>
-            <a:ext cx="4959603" cy="1642969"/>
-          </a:xfrm>
-        </p:spPr>
-        <p:txBody>
-          <a:bodyPr anchor="b">
-            <a:normAutofit/>
-          </a:bodyPr>
-          <a:lstStyle/>
-          <a:p>
-            <a:r>
-              <a:rPr lang="en-IE" sz="4000"/>
-              <a:t>Assignment 2</a:t>
-            </a:r>
-          </a:p>
-        </p:txBody>
-      </p:sp>
-      <p:sp>
-        <p:nvSpPr>
-          <p:cNvPr id="3" name="Content Placeholder 2">
-            <a:extLst>
-              <a:ext uri="{FF2B5EF4-FFF2-40B4-BE49-F238E27FC236}">
-                <a16:creationId xmlns:a16="http://schemas.microsoft.com/office/drawing/2014/main" id="{BEE32391-570F-43DA-B002-4C754BB4E20C}"/>
-              </a:ext>
-            </a:extLst>
-          </p:cNvPr>
-          <p:cNvSpPr>
-            <a:spLocks noGrp="1"/>
-          </p:cNvSpPr>
-          <p:nvPr>
-            <p:ph idx="1"/>
-          </p:nvPr>
-        </p:nvSpPr>
-        <p:spPr>
-          <a:xfrm>
-            <a:off x="1136397" y="2418408"/>
-            <a:ext cx="4959603" cy="3522569"/>
-          </a:xfrm>
-        </p:spPr>
-        <p:txBody>
-          <a:bodyPr anchor="t">
-            <a:normAutofit/>
-          </a:bodyPr>
-          <a:lstStyle/>
-          <a:p>
-            <a:r>
-              <a:rPr lang="en-IE" sz="2000"/>
-              <a:t>It’s here: </a:t>
-            </a:r>
-            <a:r>
-              <a:rPr lang="en-IE" sz="2000">
-                <a:hlinkClick r:id="rId2"/>
-              </a:rPr>
-              <a:t>https://tutors-svelte.netlify.app/#/topic/wad2-2020-wit.netlify.app/topic11</a:t>
-            </a:r>
-            <a:endParaRPr lang="en-IE" sz="2000"/>
-          </a:p>
-          <a:p>
-            <a:r>
-              <a:rPr lang="en-IE" sz="2000"/>
-              <a:t>30% of your overall mark</a:t>
-            </a:r>
-          </a:p>
-          <a:p>
-            <a:r>
-              <a:rPr lang="en-IE" sz="2000"/>
-              <a:t>Submit on Moodle (Repo)</a:t>
-            </a:r>
-          </a:p>
-          <a:p>
-            <a:r>
-              <a:rPr lang="en-IE" sz="2000"/>
-              <a:t>Due 15</a:t>
-            </a:r>
-            <a:r>
-              <a:rPr lang="en-IE" sz="2000" baseline="30000"/>
-              <a:t>th</a:t>
-            </a:r>
-            <a:r>
-              <a:rPr lang="en-IE" sz="2000"/>
-              <a:t> January.</a:t>
-            </a:r>
-          </a:p>
-        </p:txBody>
-      </p:sp>
-      <p:pic>
-        <p:nvPicPr>
-          <p:cNvPr id="5" name="Picture 4">
-            <a:extLst>
-              <a:ext uri="{FF2B5EF4-FFF2-40B4-BE49-F238E27FC236}">
-                <a16:creationId xmlns:a16="http://schemas.microsoft.com/office/drawing/2014/main" id="{C7C34DD7-610D-4149-92B8-4E9FDE286394}"/>
-              </a:ext>
-            </a:extLst>
-          </p:cNvPr>
-          <p:cNvPicPr>
-            <a:picLocks noChangeAspect="1"/>
-          </p:cNvPicPr>
-          <p:nvPr/>
-        </p:nvPicPr>
-        <p:blipFill>
-          <a:blip r:embed="rId3"/>
-          <a:stretch>
-            <a:fillRect/>
-          </a:stretch>
-        </p:blipFill>
-        <p:spPr>
-          <a:xfrm>
-            <a:off x="6512442" y="2038889"/>
-            <a:ext cx="5201023" cy="2366465"/>
-          </a:xfrm>
-          <a:prstGeom prst="rect">
-            <a:avLst/>
-          </a:prstGeom>
-        </p:spPr>
-      </p:pic>
-      <p:sp>
-        <p:nvSpPr>
-          <p:cNvPr id="12" name="Rectangle 11">
-            <a:extLst>
-              <a:ext uri="{FF2B5EF4-FFF2-40B4-BE49-F238E27FC236}">
-                <a16:creationId xmlns:a16="http://schemas.microsoft.com/office/drawing/2014/main" id="{EEBF1590-3B36-48EE-A89D-3B6F3CB256AB}"/>
-              </a:ext>
-              <a:ext uri="{C183D7F6-B498-43B3-948B-1728B52AA6E4}">
-                <adec:decorative xmlns:adec="http://schemas.microsoft.com/office/drawing/2017/decorative" val="1"/>
-              </a:ext>
-            </a:extLst>
-          </p:cNvPr>
-          <p:cNvSpPr>
-            <a:spLocks noGrp="1" noRot="1" noChangeAspect="1" noMove="1" noResize="1" noEditPoints="1" noAdjustHandles="1" noChangeArrowheads="1" noChangeShapeType="1" noTextEdit="1"/>
-          </p:cNvSpPr>
-          <p:nvPr>
-            <p:extLst>
-              <p:ext uri="{386F3935-93C4-4BCD-93E2-E3B085C9AB24}">
-                <p16:designElem xmlns:p16="http://schemas.microsoft.com/office/powerpoint/2015/main" val="1"/>
-              </p:ext>
-            </p:extLst>
-          </p:nvPr>
-        </p:nvSpPr>
-        <p:spPr>
-          <a:xfrm rot="10800000" flipH="1">
-            <a:off x="0" y="6400799"/>
-            <a:ext cx="12192000" cy="456773"/>
-          </a:xfrm>
-          <a:prstGeom prst="rect">
-            <a:avLst/>
-          </a:prstGeom>
-          <a:gradFill>
-            <a:gsLst>
-              <a:gs pos="0">
-                <a:schemeClr val="accent1"/>
-              </a:gs>
-              <a:gs pos="78000">
-                <a:srgbClr val="000000"/>
-              </a:gs>
-            </a:gsLst>
-            <a:lin ang="2400000" scaled="0"/>
-          </a:gradFill>
-          <a:ln>
-            <a:noFill/>
-          </a:ln>
-        </p:spPr>
-        <p:style>
-          <a:lnRef idx="2">
-            <a:schemeClr val="accent1">
-              <a:shade val="50000"/>
-            </a:schemeClr>
-          </a:lnRef>
-          <a:fillRef idx="1">
-            <a:schemeClr val="accent1"/>
-          </a:fillRef>
-          <a:effectRef idx="0">
-            <a:schemeClr val="accent1"/>
-          </a:effectRef>
-          <a:fontRef idx="minor">
-            <a:schemeClr val="lt1"/>
-          </a:fontRef>
-        </p:style>
-        <p:txBody>
-          <a:bodyPr rtlCol="0" anchor="ctr"/>
-          <a:lstStyle/>
-          <a:p>
-            <a:pPr algn="ctr"/>
-            <a:endParaRPr lang="en-US"/>
-          </a:p>
-        </p:txBody>
-      </p:sp>
-      <p:sp>
-        <p:nvSpPr>
-          <p:cNvPr id="14" name="Rectangle 13">
-            <a:extLst>
-              <a:ext uri="{FF2B5EF4-FFF2-40B4-BE49-F238E27FC236}">
-                <a16:creationId xmlns:a16="http://schemas.microsoft.com/office/drawing/2014/main" id="{AC8F6C8C-AB5A-4548-942D-E3FD40ACBC49}"/>
-              </a:ext>
-              <a:ext uri="{C183D7F6-B498-43B3-948B-1728B52AA6E4}">
-                <adec:decorative xmlns:adec="http://schemas.microsoft.com/office/drawing/2017/decorative" val="1"/>
-              </a:ext>
-            </a:extLst>
-          </p:cNvPr>
-          <p:cNvSpPr>
-            <a:spLocks noGrp="1" noRot="1" noChangeAspect="1" noMove="1" noResize="1" noEditPoints="1" noAdjustHandles="1" noChangeArrowheads="1" noChangeShapeType="1" noTextEdit="1"/>
-          </p:cNvSpPr>
-          <p:nvPr>
-            <p:extLst>
-              <p:ext uri="{386F3935-93C4-4BCD-93E2-E3B085C9AB24}">
-                <p16:designElem xmlns:p16="http://schemas.microsoft.com/office/powerpoint/2015/main" val="1"/>
-              </p:ext>
-            </p:extLst>
-          </p:nvPr>
-        </p:nvSpPr>
-        <p:spPr>
-          <a:xfrm flipH="1">
-            <a:off x="4038600" y="6400799"/>
-            <a:ext cx="8153398" cy="456772"/>
-          </a:xfrm>
-          <a:prstGeom prst="rect">
-            <a:avLst/>
-          </a:prstGeom>
-          <a:gradFill>
-            <a:gsLst>
-              <a:gs pos="0">
-                <a:srgbClr val="000000">
-                  <a:alpha val="63000"/>
-                </a:srgbClr>
-              </a:gs>
-              <a:gs pos="100000">
-                <a:schemeClr val="accent1">
-                  <a:lumMod val="75000"/>
-                </a:schemeClr>
-              </a:gs>
-            </a:gsLst>
-            <a:lin ang="13800000" scaled="0"/>
-          </a:gradFill>
-          <a:ln>
-            <a:noFill/>
-          </a:ln>
-        </p:spPr>
-        <p:style>
-          <a:lnRef idx="2">
-            <a:schemeClr val="accent1">
-              <a:shade val="50000"/>
-            </a:schemeClr>
-          </a:lnRef>
-          <a:fillRef idx="1">
-            <a:schemeClr val="accent1"/>
-          </a:fillRef>
-          <a:effectRef idx="0">
-            <a:schemeClr val="accent1"/>
-          </a:effectRef>
-          <a:fontRef idx="minor">
-            <a:schemeClr val="lt1"/>
-          </a:fontRef>
-        </p:style>
-        <p:txBody>
-          <a:bodyPr rtlCol="0" anchor="ctr"/>
-          <a:lstStyle/>
-          <a:p>
-            <a:pPr algn="ctr"/>
-            <a:endParaRPr lang="en-US"/>
-          </a:p>
-        </p:txBody>
-      </p:sp>
-    </p:spTree>
-    <p:extLst>
-      <p:ext uri="{BB962C8B-B14F-4D97-AF65-F5344CB8AC3E}">
-        <p14:creationId xmlns:p14="http://schemas.microsoft.com/office/powerpoint/2010/main" val="1850684912"/>
-      </p:ext>
-    </p:extLst>
-  </p:cSld>
-  <p:clrMapOvr>
-    <a:masterClrMapping/>
-  </p:clrMapOvr>
-</p:sld>
-</file>
-
-<file path=ppt/slides/slide9.xml><?xml version="1.0" encoding="utf-8"?>
-<p:sld xmlns:a="http://schemas.openxmlformats.org/drawingml/2006/main" xmlns:r="http://schemas.openxmlformats.org/officeDocument/2006/relationships" xmlns:p="http://schemas.openxmlformats.org/presentationml/2006/main">
-  <p:cSld>
-    <p:bg>
-      <p:bgPr>
-        <a:solidFill>
-          <a:schemeClr val="bg1"/>
-        </a:solidFill>
-        <a:effectLst/>
-      </p:bgPr>
-    </p:bg>
-    <p:spTree>
-      <p:nvGrpSpPr>
-        <p:cNvPr id="1" name=""/>
-        <p:cNvGrpSpPr/>
-        <p:nvPr/>
-      </p:nvGrpSpPr>
-      <p:grpSpPr>
-        <a:xfrm>
-          <a:off x="0" y="0"/>
-          <a:ext cx="0" cy="0"/>
-          <a:chOff x="0" y="0"/>
-          <a:chExt cx="0" cy="0"/>
-        </a:xfrm>
-      </p:grpSpPr>
-      <p:sp useBgFill="1">
-        <p:nvSpPr>
-          <p:cNvPr id="10" name="Rectangle 9">
-            <a:extLst>
-              <a:ext uri="{FF2B5EF4-FFF2-40B4-BE49-F238E27FC236}">
-                <a16:creationId xmlns:a16="http://schemas.microsoft.com/office/drawing/2014/main" id="{2596F992-698C-48C0-9D89-70DA4CE927EF}"/>
-              </a:ext>
-              <a:ext uri="{C183D7F6-B498-43B3-948B-1728B52AA6E4}">
-                <adec:decorative xmlns:adec="http://schemas.microsoft.com/office/drawing/2017/decorative" val="1"/>
-              </a:ext>
-            </a:extLst>
-          </p:cNvPr>
-          <p:cNvSpPr>
-            <a:spLocks noGrp="1" noRot="1" noChangeAspect="1" noMove="1" noResize="1" noEditPoints="1" noAdjustHandles="1" noChangeArrowheads="1" noChangeShapeType="1" noTextEdit="1"/>
-          </p:cNvSpPr>
-          <p:nvPr>
-            <p:extLst>
-              <p:ext uri="{386F3935-93C4-4BCD-93E2-E3B085C9AB24}">
-                <p16:designElem xmlns:p16="http://schemas.microsoft.com/office/powerpoint/2015/main" val="1"/>
-              </p:ext>
-            </p:extLst>
-          </p:nvPr>
-        </p:nvSpPr>
-        <p:spPr>
-          <a:xfrm>
-            <a:off x="0" y="0"/>
-            <a:ext cx="12192000" cy="6858000"/>
-          </a:xfrm>
-          <a:prstGeom prst="rect">
-            <a:avLst/>
-          </a:prstGeom>
-          <a:ln w="12700" cap="flat" cmpd="sng" algn="ctr">
-            <a:noFill/>
-            <a:prstDash val="solid"/>
-            <a:miter lim="800000"/>
-          </a:ln>
-          <a:effectLst/>
-          <a:extLst>
-            <a:ext uri="{91240B29-F687-4F45-9708-019B960494DF}">
-              <a14:hiddenLine xmlns:a14="http://schemas.microsoft.com/office/drawing/2010/main" w="12700" cap="flat" cmpd="sng" algn="ctr">
-                <a:solidFill>
-                  <a:schemeClr val="accent1">
-                    <a:shade val="50000"/>
-                  </a:schemeClr>
-                </a:solidFill>
-                <a:prstDash val="solid"/>
-                <a:miter lim="800000"/>
-              </a14:hiddenLine>
-            </a:ext>
-          </a:extLst>
-        </p:spPr>
-        <p:style>
-          <a:lnRef idx="2">
-            <a:schemeClr val="accent1">
-              <a:shade val="50000"/>
-            </a:schemeClr>
-          </a:lnRef>
-          <a:fillRef idx="1">
-            <a:schemeClr val="accent1"/>
-          </a:fillRef>
-          <a:effectRef idx="0">
-            <a:schemeClr val="accent1"/>
-          </a:effectRef>
-          <a:fontRef idx="minor">
-            <a:schemeClr val="lt1"/>
-          </a:fontRef>
-        </p:style>
-        <p:txBody>
-          <a:bodyPr rtlCol="0" anchor="ctr"/>
-          <a:lstStyle/>
-          <a:p>
-            <a:pPr algn="ctr"/>
-            <a:endParaRPr lang="en-US"/>
-          </a:p>
-        </p:txBody>
-      </p:sp>
-      <p:sp>
-        <p:nvSpPr>
-          <p:cNvPr id="2" name="Title 1">
-            <a:extLst>
-              <a:ext uri="{FF2B5EF4-FFF2-40B4-BE49-F238E27FC236}">
                 <a16:creationId xmlns:a16="http://schemas.microsoft.com/office/drawing/2014/main" id="{14EE2C60-2310-4CFD-A52F-8D0131D0478F}"/>
               </a:ext>
             </a:extLst>
@@ -5391,36 +5903,44 @@
           <a:p>
             <a:pPr algn="r"/>
             <a:r>
-              <a:rPr lang="en-IE" sz="2000"/>
-              <a:t>10% of your overall mark</a:t>
+              <a:rPr lang="en-IE" sz="2000" b="1" dirty="0"/>
+              <a:t>12.5% of your overall mark</a:t>
             </a:r>
           </a:p>
           <a:p>
             <a:pPr algn="r"/>
             <a:r>
-              <a:rPr lang="en-IE" sz="2000"/>
-              <a:t>Submit on Moodle by 4</a:t>
-            </a:r>
-            <a:r>
-              <a:rPr lang="en-IE" sz="2000" baseline="30000"/>
+              <a:rPr lang="en-IE" sz="2000" dirty="0"/>
+              <a:t>Submit on Moodle by </a:t>
+            </a:r>
+            <a:r>
+              <a:rPr lang="en-IE" sz="2000" b="1" dirty="0"/>
+              <a:t>10</a:t>
+            </a:r>
+            <a:r>
+              <a:rPr lang="en-IE" sz="2000" b="1" baseline="30000" dirty="0"/>
               <a:t>th</a:t>
             </a:r>
             <a:r>
-              <a:rPr lang="en-IE" sz="2000"/>
-              <a:t> Jan (or earlier if you’re complete)</a:t>
+              <a:rPr lang="en-IE" sz="2000" b="1" dirty="0"/>
+              <a:t> December </a:t>
+            </a:r>
+            <a:r>
+              <a:rPr lang="en-IE" sz="2000" dirty="0"/>
+              <a:t>(or earlier if you’re complete)</a:t>
             </a:r>
           </a:p>
           <a:p>
             <a:pPr algn="r"/>
             <a:r>
-              <a:rPr lang="en-IE" sz="2000"/>
+              <a:rPr lang="en-IE" sz="2000" dirty="0"/>
               <a:t>Will be looking at commit history. </a:t>
             </a:r>
           </a:p>
           <a:p>
             <a:pPr algn="r"/>
             <a:r>
-              <a:rPr lang="en-IE" sz="2000"/>
+              <a:rPr lang="en-IE" sz="2000" dirty="0"/>
               <a:t>Submit on Moodle(repo)</a:t>
             </a:r>
           </a:p>
